--- a/osi-and-tcp.pptx
+++ b/osi-and-tcp.pptx
@@ -1,8 +1,8 @@
 
 <file path=ppt/presentation.xml><?xml version="1.0" encoding="utf-8"?>
-<p:presentation xmlns:a="http://schemas.openxmlformats.org/drawingml/2006/main" xmlns:r="http://schemas.openxmlformats.org/officeDocument/2006/relationships" xmlns:p="http://schemas.openxmlformats.org/presentationml/2006/main" saveSubsetFonts="1">
+<p:presentation xmlns:r="http://schemas.openxmlformats.org/officeDocument/2006/relationships" xmlns:c="http://schemas.openxmlformats.org/drawingml/2006/chart" xmlns:a="http://schemas.openxmlformats.org/drawingml/2006/main" xmlns:dgm="http://schemas.openxmlformats.org/drawingml/2006/diagram" xmlns:dsp="http://schemas.microsoft.com/office/drawing/2008/diagram" xmlns:p="http://schemas.openxmlformats.org/presentationml/2006/main">
   <p:sldMasterIdLst>
-    <p:sldMasterId id="2147483648" r:id="rId1"/>
+    <p:sldMasterId id="2147483663" r:id="rId1"/>
   </p:sldMasterIdLst>
   <p:sldIdLst>
     <p:sldId id="256" r:id="rId2"/>
@@ -3305,7 +3305,7 @@
 </file>
 
 <file path=ppt/slides/slide1.xml><?xml version="1.0" encoding="utf-8"?>
-<p:sld xmlns:a="http://schemas.openxmlformats.org/drawingml/2006/main" xmlns:r="http://schemas.openxmlformats.org/officeDocument/2006/relationships" xmlns:p="http://schemas.openxmlformats.org/presentationml/2006/main">
+<p:sld xmlns:r="http://schemas.openxmlformats.org/officeDocument/2006/relationships" xmlns:c="http://schemas.openxmlformats.org/drawingml/2006/chart" xmlns:a="http://schemas.openxmlformats.org/drawingml/2006/main" xmlns:dgm="http://schemas.openxmlformats.org/drawingml/2006/diagram" xmlns:dsp="http://schemas.microsoft.com/office/drawing/2008/diagram" xmlns:p="http://schemas.openxmlformats.org/presentationml/2006/main">
   <p:cSld>
     <p:spTree>
       <p:nvGrpSpPr>
@@ -3323,27 +3323,15 @@
       </p:grpSpPr>
       <p:graphicFrame>
         <p:nvGraphicFramePr>
-          <p:cNvPr id="4" name="표 4">
-            <a:extLst>
-              <a:ext uri="{FF2B5EF4-FFF2-40B4-BE49-F238E27FC236}">
-                <a16:creationId xmlns:a16="http://schemas.microsoft.com/office/drawing/2014/main" id="{6B84B47A-C5BC-4BBF-BBE3-AEACBC9B5AD8}"/>
-              </a:ext>
-            </a:extLst>
-          </p:cNvPr>
+          <p:cNvPr id="4" name="표 4"/>
           <p:cNvGraphicFramePr>
             <a:graphicFrameLocks noGrp="1"/>
           </p:cNvGraphicFramePr>
-          <p:nvPr>
-            <p:extLst>
-              <p:ext uri="{D42A27DB-BD31-4B8C-83A1-F6EECF244321}">
-                <p14:modId xmlns:p14="http://schemas.microsoft.com/office/powerpoint/2010/main" val="1737265111"/>
-              </p:ext>
-            </p:extLst>
-          </p:nvPr>
+          <p:nvPr/>
         </p:nvGraphicFramePr>
         <p:xfrm>
           <a:off x="73152" y="138363"/>
-          <a:ext cx="11996930" cy="6460508"/>
+          <a:ext cx="11996930" cy="6462412"/>
         </p:xfrm>
         <a:graphic>
           <a:graphicData uri="http://schemas.openxmlformats.org/drawingml/2006/table">
@@ -3352,842 +3340,815 @@
                 <a:tableStyleId>{5C22544A-7EE6-4342-B048-85BDC9FD1C3A}</a:tableStyleId>
               </a:tblPr>
               <a:tblGrid>
-                <a:gridCol w="2326966">
-                  <a:extLst>
-                    <a:ext uri="{9D8B030D-6E8A-4147-A177-3AD203B41FA5}">
-                      <a16:colId xmlns:a16="http://schemas.microsoft.com/office/drawing/2014/main" val="1861273289"/>
-                    </a:ext>
-                  </a:extLst>
-                </a:gridCol>
-                <a:gridCol w="2366954">
-                  <a:extLst>
-                    <a:ext uri="{9D8B030D-6E8A-4147-A177-3AD203B41FA5}">
-                      <a16:colId xmlns:a16="http://schemas.microsoft.com/office/drawing/2014/main" val="462850990"/>
-                    </a:ext>
-                  </a:extLst>
-                </a:gridCol>
-                <a:gridCol w="2468028">
-                  <a:extLst>
-                    <a:ext uri="{9D8B030D-6E8A-4147-A177-3AD203B41FA5}">
-                      <a16:colId xmlns:a16="http://schemas.microsoft.com/office/drawing/2014/main" val="1634015932"/>
-                    </a:ext>
-                  </a:extLst>
-                </a:gridCol>
-                <a:gridCol w="2417491">
-                  <a:extLst>
-                    <a:ext uri="{9D8B030D-6E8A-4147-A177-3AD203B41FA5}">
-                      <a16:colId xmlns:a16="http://schemas.microsoft.com/office/drawing/2014/main" val="4081869537"/>
-                    </a:ext>
-                  </a:extLst>
-                </a:gridCol>
-                <a:gridCol w="2417491">
-                  <a:extLst>
-                    <a:ext uri="{9D8B030D-6E8A-4147-A177-3AD203B41FA5}">
-                      <a16:colId xmlns:a16="http://schemas.microsoft.com/office/drawing/2014/main" val="1501421280"/>
-                    </a:ext>
-                  </a:extLst>
-                </a:gridCol>
+                <a:gridCol w="2326966"/>
+                <a:gridCol w="2366954"/>
+                <a:gridCol w="2468028"/>
+                <a:gridCol w="2417491"/>
+                <a:gridCol w="2417491"/>
               </a:tblGrid>
               <a:tr h="805364">
                 <a:tc>
                   <a:txBody>
-                    <a:bodyPr/>
-                    <a:lstStyle/>
+                    <a:bodyPr vert="horz" lIns="91440" tIns="45720" rIns="91440" bIns="45720" anchor="t" anchorCtr="0"/>
                     <a:p>
-                      <a:pPr latinLnBrk="1"/>
-                      <a:endParaRPr lang="ko-KR" altLang="en-US" sz="2400" dirty="0"/>
+                      <a:pPr latinLnBrk="1">
+                        <a:defRPr/>
+                      </a:pPr>
+                      <a:endParaRPr lang="ko-KR" altLang="en-US" sz="2400"/>
                     </a:p>
                   </a:txBody>
-                  <a:tcPr/>
+                  <a:tcPr marL="91440" marR="91440"/>
                 </a:tc>
                 <a:tc>
                   <a:txBody>
-                    <a:bodyPr/>
-                    <a:lstStyle/>
+                    <a:bodyPr vert="horz" lIns="91440" tIns="45720" rIns="91440" bIns="45720" anchor="t" anchorCtr="0"/>
                     <a:p>
-                      <a:pPr latinLnBrk="1"/>
+                      <a:pPr latinLnBrk="1">
+                        <a:defRPr/>
+                      </a:pPr>
                       <a:r>
-                        <a:rPr lang="en-US" altLang="ko-KR" sz="2400" dirty="0"/>
+                        <a:rPr lang="en-US" altLang="ko-KR" sz="2400"/>
                         <a:t>OSI Model</a:t>
                       </a:r>
-                      <a:endParaRPr lang="ko-KR" altLang="en-US" sz="2400" dirty="0"/>
+                      <a:endParaRPr lang="ko-KR" altLang="en-US" sz="2400"/>
                     </a:p>
                   </a:txBody>
-                  <a:tcPr/>
+                  <a:tcPr marL="91440" marR="91440"/>
                 </a:tc>
                 <a:tc>
                   <a:txBody>
-                    <a:bodyPr/>
-                    <a:lstStyle/>
+                    <a:bodyPr vert="horz" lIns="91440" tIns="45720" rIns="91440" bIns="45720" anchor="t" anchorCtr="0"/>
                     <a:p>
-                      <a:pPr latinLnBrk="1"/>
+                      <a:pPr latinLnBrk="1">
+                        <a:defRPr/>
+                      </a:pPr>
                       <a:r>
-                        <a:rPr lang="en-US" altLang="ko-KR" sz="2400" dirty="0"/>
+                        <a:rPr lang="en-US" altLang="ko-KR" sz="2400"/>
                         <a:t>Layer number</a:t>
                       </a:r>
-                      <a:endParaRPr lang="ko-KR" altLang="en-US" sz="2400" dirty="0"/>
+                      <a:endParaRPr lang="ko-KR" altLang="en-US" sz="2400"/>
                     </a:p>
                   </a:txBody>
-                  <a:tcPr/>
+                  <a:tcPr marL="91440" marR="91440"/>
                 </a:tc>
                 <a:tc>
                   <a:txBody>
-                    <a:bodyPr/>
-                    <a:lstStyle/>
+                    <a:bodyPr vert="horz" lIns="91440" tIns="45720" rIns="91440" bIns="45720" anchor="t" anchorCtr="0"/>
                     <a:p>
-                      <a:pPr latinLnBrk="1"/>
+                      <a:pPr latinLnBrk="1">
+                        <a:defRPr/>
+                      </a:pPr>
                       <a:r>
-                        <a:rPr lang="en-US" altLang="ko-KR" sz="2400" dirty="0"/>
+                        <a:rPr lang="en-US" altLang="ko-KR" sz="2400"/>
                         <a:t>TCP/IP Layer</a:t>
                       </a:r>
-                      <a:endParaRPr lang="ko-KR" altLang="en-US" sz="2400" dirty="0"/>
+                      <a:endParaRPr lang="ko-KR" altLang="en-US" sz="2400"/>
                     </a:p>
                   </a:txBody>
-                  <a:tcPr/>
+                  <a:tcPr marL="91440" marR="91440"/>
                 </a:tc>
                 <a:tc>
                   <a:txBody>
-                    <a:bodyPr/>
-                    <a:lstStyle/>
+                    <a:bodyPr vert="horz" lIns="91440" tIns="45720" rIns="91440" bIns="45720" anchor="t" anchorCtr="0"/>
                     <a:p>
-                      <a:pPr latinLnBrk="1"/>
+                      <a:pPr latinLnBrk="1">
+                        <a:defRPr/>
+                      </a:pPr>
                       <a:r>
-                        <a:rPr lang="en-US" altLang="ko-KR" sz="2400" dirty="0"/>
+                        <a:rPr lang="en-US" altLang="ko-KR" sz="2400"/>
                         <a:t>Other protocol</a:t>
                       </a:r>
-                      <a:endParaRPr lang="ko-KR" altLang="en-US" sz="2400" dirty="0"/>
+                      <a:endParaRPr lang="ko-KR" altLang="en-US" sz="2400"/>
                     </a:p>
                   </a:txBody>
-                  <a:tcPr/>
+                  <a:tcPr marL="91440" marR="91440"/>
                 </a:tc>
-                <a:extLst>
-                  <a:ext uri="{0D108BD9-81ED-4DB2-BD59-A6C34878D82A}">
-                    <a16:rowId xmlns:a16="http://schemas.microsoft.com/office/drawing/2014/main" val="11020065"/>
-                  </a:ext>
-                </a:extLst>
               </a:tr>
               <a:tr h="805364">
                 <a:tc>
                   <a:txBody>
-                    <a:bodyPr/>
-                    <a:lstStyle/>
+                    <a:bodyPr vert="horz" lIns="91440" tIns="45720" rIns="91440" bIns="45720" anchor="t" anchorCtr="0"/>
                     <a:p>
-                      <a:pPr algn="ctr" latinLnBrk="1"/>
+                      <a:pPr algn="ctr" latinLnBrk="1">
+                        <a:defRPr/>
+                      </a:pPr>
                       <a:r>
-                        <a:rPr lang="en-US" altLang="ko-KR" sz="2400" dirty="0">
+                        <a:rPr lang="en-US" altLang="ko-KR" sz="2400">
                           <a:solidFill>
-                            <a:srgbClr val="FF0000"/>
+                            <a:srgbClr val="ff0000"/>
                           </a:solidFill>
                         </a:rPr>
                         <a:t>  Alligator</a:t>
                       </a:r>
-                      <a:endParaRPr lang="ko-KR" altLang="en-US" sz="2400" dirty="0">
+                      <a:endParaRPr lang="ko-KR" altLang="en-US" sz="2400">
                         <a:solidFill>
-                          <a:srgbClr val="FF0000"/>
+                          <a:srgbClr val="ff0000"/>
                         </a:solidFill>
                       </a:endParaRPr>
                     </a:p>
                   </a:txBody>
-                  <a:tcPr/>
+                  <a:tcPr marL="91440" marR="91440"/>
                 </a:tc>
                 <a:tc>
                   <a:txBody>
-                    <a:bodyPr/>
-                    <a:lstStyle/>
+                    <a:bodyPr vert="horz" lIns="91440" tIns="45720" rIns="91440" bIns="45720" anchor="t" anchorCtr="0"/>
                     <a:p>
-                      <a:pPr algn="ctr" latinLnBrk="1"/>
+                      <a:pPr algn="ctr" latinLnBrk="1">
+                        <a:defRPr/>
+                      </a:pPr>
                       <a:r>
-                        <a:rPr lang="en-US" altLang="ko-KR" sz="2400" dirty="0"/>
+                        <a:rPr lang="en-US" altLang="ko-KR" sz="2400"/>
                         <a:t>Application</a:t>
                       </a:r>
-                      <a:endParaRPr lang="ko-KR" altLang="en-US" sz="2400" dirty="0"/>
+                      <a:endParaRPr lang="ko-KR" altLang="en-US" sz="2400"/>
                     </a:p>
                   </a:txBody>
-                  <a:tcPr/>
-                </a:tc>
-                <a:tc>
-                  <a:txBody>
-                    <a:bodyPr/>
-                    <a:lstStyle/>
-                    <a:p>
-                      <a:pPr algn="ctr" latinLnBrk="1"/>
-                      <a:r>
-                        <a:rPr lang="en-US" altLang="ko-KR" sz="2400" dirty="0"/>
-                        <a:t>7</a:t>
-                      </a:r>
-                      <a:endParaRPr lang="ko-KR" altLang="en-US" sz="2400" dirty="0"/>
-                    </a:p>
-                  </a:txBody>
-                  <a:tcPr/>
+                  <a:tcPr marL="91440" marR="91440"/>
                 </a:tc>
                 <a:tc rowSpan="3">
                   <a:txBody>
-                    <a:bodyPr/>
-                    <a:lstStyle/>
+                    <a:bodyPr vert="horz" lIns="91440" tIns="45720" rIns="91440" bIns="45720" anchor="t" anchorCtr="0"/>
                     <a:p>
-                      <a:pPr algn="ctr" latinLnBrk="1"/>
+                      <a:pPr algn="ctr" latinLnBrk="1">
+                        <a:defRPr/>
+                      </a:pPr>
                       <a:r>
-                        <a:rPr lang="en-US" altLang="ko-KR" sz="2400" dirty="0">
+                        <a:rPr lang="en-US" altLang="ko-KR" sz="2400"/>
+                        <a:t>L7(firewall)</a:t>
+                      </a:r>
+                      <a:endParaRPr lang="en-US" altLang="ko-KR" sz="2400"/>
+                    </a:p>
+                  </a:txBody>
+                  <a:tcPr marL="91440" marR="91440"/>
+                </a:tc>
+                <a:tc rowSpan="3">
+                  <a:txBody>
+                    <a:bodyPr vert="horz" lIns="91440" tIns="45720" rIns="91440" bIns="45720" anchor="t" anchorCtr="0"/>
+                    <a:p>
+                      <a:pPr algn="ctr" latinLnBrk="1">
+                        <a:defRPr/>
+                      </a:pPr>
+                      <a:r>
+                        <a:rPr lang="en-US" altLang="ko-KR" sz="2400">
                           <a:solidFill>
-                            <a:srgbClr val="FF0000"/>
+                            <a:srgbClr val="ff0000"/>
                           </a:solidFill>
                         </a:rPr>
                         <a:t>HTTP</a:t>
                       </a:r>
-                      <a:endParaRPr lang="ko-KR" altLang="en-US" sz="2400" dirty="0">
+                      <a:endParaRPr lang="ko-KR" altLang="en-US" sz="2400">
                         <a:solidFill>
-                          <a:srgbClr val="FF0000"/>
+                          <a:srgbClr val="ff0000"/>
                         </a:solidFill>
                       </a:endParaRPr>
                     </a:p>
                   </a:txBody>
-                  <a:tcPr/>
+                  <a:tcPr marL="91440" marR="91440"/>
                 </a:tc>
                 <a:tc rowSpan="3">
                   <a:txBody>
-                    <a:bodyPr/>
-                    <a:lstStyle/>
+                    <a:bodyPr vert="horz" lIns="91440" tIns="45720" rIns="91440" bIns="45720" anchor="t" anchorCtr="0"/>
                     <a:p>
-                      <a:pPr algn="ctr" latinLnBrk="1"/>
+                      <a:pPr algn="ctr" latinLnBrk="1">
+                        <a:defRPr/>
+                      </a:pPr>
                       <a:r>
-                        <a:rPr lang="en-US" altLang="ko-KR" sz="2400" dirty="0"/>
+                        <a:rPr lang="en-US" altLang="ko-KR" sz="2400"/>
                         <a:t>SSH,FTP</a:t>
                       </a:r>
+                      <a:endParaRPr lang="en-US" altLang="ko-KR" sz="2400"/>
                     </a:p>
                     <a:p>
-                      <a:pPr algn="ctr" latinLnBrk="1"/>
+                      <a:pPr algn="ctr" latinLnBrk="1">
+                        <a:defRPr/>
+                      </a:pPr>
                       <a:r>
-                        <a:rPr lang="en-US" altLang="ko-KR" sz="2400" dirty="0"/>
+                        <a:rPr lang="en-US" altLang="ko-KR" sz="2400"/>
                         <a:t>Telnet</a:t>
                       </a:r>
+                      <a:endParaRPr lang="en-US" altLang="ko-KR" sz="2400"/>
                     </a:p>
                     <a:p>
-                      <a:pPr algn="ctr" latinLnBrk="1"/>
+                      <a:pPr algn="ctr" latinLnBrk="1">
+                        <a:defRPr/>
+                      </a:pPr>
                       <a:r>
-                        <a:rPr lang="en-US" altLang="ko-KR" sz="2400" dirty="0"/>
+                        <a:rPr lang="en-US" altLang="ko-KR" sz="2400"/>
                         <a:t>SMTP</a:t>
                       </a:r>
+                      <a:endParaRPr lang="en-US" altLang="ko-KR" sz="2400"/>
                     </a:p>
                     <a:p>
-                      <a:pPr algn="ctr" latinLnBrk="1"/>
+                      <a:pPr algn="ctr" latinLnBrk="1">
+                        <a:defRPr/>
+                      </a:pPr>
                       <a:r>
-                        <a:rPr lang="en-US" altLang="ko-KR" sz="2400" dirty="0"/>
+                        <a:rPr lang="en-US" altLang="ko-KR" sz="2400"/>
                         <a:t>POP3</a:t>
                       </a:r>
-                      <a:endParaRPr lang="ko-KR" altLang="en-US" sz="2400" dirty="0"/>
+                      <a:endParaRPr lang="ko-KR" altLang="en-US" sz="2400"/>
                     </a:p>
                   </a:txBody>
-                  <a:tcPr/>
+                  <a:tcPr marL="91440" marR="91440"/>
                 </a:tc>
-                <a:extLst>
-                  <a:ext uri="{0D108BD9-81ED-4DB2-BD59-A6C34878D82A}">
-                    <a16:rowId xmlns:a16="http://schemas.microsoft.com/office/drawing/2014/main" val="1590184666"/>
-                  </a:ext>
-                </a:extLst>
               </a:tr>
               <a:tr h="805364">
                 <a:tc>
                   <a:txBody>
-                    <a:bodyPr/>
-                    <a:lstStyle/>
+                    <a:bodyPr vert="horz" lIns="91440" tIns="45720" rIns="91440" bIns="45720" anchor="t" anchorCtr="0"/>
                     <a:p>
-                      <a:pPr algn="ctr" latinLnBrk="1"/>
+                      <a:pPr algn="ctr" latinLnBrk="1">
+                        <a:defRPr/>
+                      </a:pPr>
                       <a:r>
-                        <a:rPr lang="en-US" altLang="ko-KR" sz="2400" dirty="0">
+                        <a:rPr lang="en-US" altLang="ko-KR" sz="2400">
                           <a:solidFill>
-                            <a:srgbClr val="FF0000"/>
+                            <a:srgbClr val="ff0000"/>
                           </a:solidFill>
                         </a:rPr>
                         <a:t> Pet</a:t>
                       </a:r>
-                      <a:endParaRPr lang="ko-KR" altLang="en-US" sz="2400" dirty="0">
+                      <a:endParaRPr lang="ko-KR" altLang="en-US" sz="2400">
                         <a:solidFill>
-                          <a:srgbClr val="FF0000"/>
+                          <a:srgbClr val="ff0000"/>
                         </a:solidFill>
                       </a:endParaRPr>
                     </a:p>
                   </a:txBody>
-                  <a:tcPr/>
+                  <a:tcPr marL="91440" marR="91440"/>
                 </a:tc>
                 <a:tc>
                   <a:txBody>
-                    <a:bodyPr/>
-                    <a:lstStyle/>
+                    <a:bodyPr vert="horz" lIns="91440" tIns="45720" rIns="91440" bIns="45720" anchor="t" anchorCtr="0"/>
                     <a:p>
-                      <a:pPr algn="ctr" latinLnBrk="1"/>
+                      <a:pPr algn="ctr" latinLnBrk="1">
+                        <a:defRPr/>
+                      </a:pPr>
                       <a:r>
-                        <a:rPr lang="en-US" altLang="ko-KR" sz="2400" dirty="0"/>
+                        <a:rPr lang="en-US" altLang="ko-KR" sz="2400"/>
                         <a:t>Presentation</a:t>
                       </a:r>
-                      <a:endParaRPr lang="ko-KR" altLang="en-US" sz="2400" dirty="0"/>
+                      <a:endParaRPr lang="ko-KR" altLang="en-US" sz="2400"/>
                     </a:p>
                   </a:txBody>
-                  <a:tcPr/>
+                  <a:tcPr marL="91440" marR="91440"/>
                 </a:tc>
-                <a:tc>
+                <a:tc vMerge="1">
                   <a:txBody>
-                    <a:bodyPr/>
-                    <a:lstStyle/>
+                    <a:bodyPr vert="horz" lIns="91440" tIns="45720" rIns="91440" bIns="45720" anchor="t" anchorCtr="0"/>
                     <a:p>
-                      <a:pPr algn="ctr" latinLnBrk="1"/>
-                      <a:r>
-                        <a:rPr lang="en-US" altLang="ko-KR" sz="2400" dirty="0"/>
-                        <a:t>6</a:t>
-                      </a:r>
-                      <a:endParaRPr lang="ko-KR" altLang="en-US" sz="2400" dirty="0"/>
+                      <a:pPr>
+                        <a:defRPr/>
+                      </a:pPr>
+                      <a:endParaRPr lang="ko-KR" altLang="en-US"/>
                     </a:p>
                   </a:txBody>
-                  <a:tcPr/>
+                  <a:tcPr marL="91440" marR="91440"/>
                 </a:tc>
                 <a:tc vMerge="1">
                   <a:txBody>
                     <a:bodyPr/>
-                    <a:lstStyle/>
                     <a:p>
-                      <a:pPr latinLnBrk="1"/>
-                      <a:endParaRPr lang="ko-KR" altLang="en-US" sz="2400" dirty="0"/>
+                      <a:pPr latinLnBrk="1">
+                        <a:defRPr/>
+                      </a:pPr>
+                      <a:endParaRPr lang="ko-KR" altLang="en-US" sz="2400"/>
                     </a:p>
                   </a:txBody>
-                  <a:tcPr/>
+                  <a:tcPr marL="91440" marR="91440"/>
                 </a:tc>
                 <a:tc vMerge="1">
                   <a:txBody>
                     <a:bodyPr/>
-                    <a:lstStyle/>
                     <a:p>
-                      <a:pPr latinLnBrk="1"/>
-                      <a:endParaRPr lang="ko-KR" altLang="en-US" sz="2400" dirty="0"/>
+                      <a:pPr latinLnBrk="1">
+                        <a:defRPr/>
+                      </a:pPr>
+                      <a:endParaRPr lang="ko-KR" altLang="en-US" sz="2400"/>
                     </a:p>
                   </a:txBody>
-                  <a:tcPr/>
+                  <a:tcPr marL="91440" marR="91440"/>
                 </a:tc>
-                <a:extLst>
-                  <a:ext uri="{0D108BD9-81ED-4DB2-BD59-A6C34878D82A}">
-                    <a16:rowId xmlns:a16="http://schemas.microsoft.com/office/drawing/2014/main" val="1815927853"/>
-                  </a:ext>
-                </a:extLst>
               </a:tr>
               <a:tr h="805364">
                 <a:tc>
                   <a:txBody>
-                    <a:bodyPr/>
-                    <a:lstStyle/>
+                    <a:bodyPr vert="horz" lIns="91440" tIns="45720" rIns="91440" bIns="45720" anchor="t" anchorCtr="0"/>
                     <a:p>
-                      <a:pPr algn="ctr" latinLnBrk="1"/>
+                      <a:pPr algn="ctr" latinLnBrk="1">
+                        <a:defRPr/>
+                      </a:pPr>
                       <a:r>
-                        <a:rPr lang="en-US" altLang="ko-KR" sz="2400" dirty="0">
+                        <a:rPr lang="en-US" altLang="ko-KR" sz="2400">
                           <a:solidFill>
-                            <a:srgbClr val="FF0000"/>
+                            <a:srgbClr val="ff0000"/>
                           </a:solidFill>
                         </a:rPr>
                         <a:t>   Steve’s </a:t>
                       </a:r>
-                      <a:endParaRPr lang="ko-KR" altLang="en-US" sz="2400" dirty="0">
+                      <a:endParaRPr lang="ko-KR" altLang="en-US" sz="2400">
                         <a:solidFill>
-                          <a:srgbClr val="FF0000"/>
+                          <a:srgbClr val="ff0000"/>
                         </a:solidFill>
                       </a:endParaRPr>
                     </a:p>
                   </a:txBody>
-                  <a:tcPr/>
+                  <a:tcPr marL="91440" marR="91440"/>
                 </a:tc>
                 <a:tc>
                   <a:txBody>
-                    <a:bodyPr/>
-                    <a:lstStyle/>
+                    <a:bodyPr vert="horz" lIns="91440" tIns="45720" rIns="91440" bIns="45720" anchor="t" anchorCtr="0"/>
                     <a:p>
-                      <a:pPr algn="ctr" latinLnBrk="1"/>
+                      <a:pPr algn="ctr" latinLnBrk="1">
+                        <a:defRPr/>
+                      </a:pPr>
                       <a:r>
-                        <a:rPr lang="en-US" altLang="ko-KR" sz="2400" dirty="0"/>
+                        <a:rPr lang="en-US" altLang="ko-KR" sz="2400"/>
                         <a:t>Session</a:t>
                       </a:r>
-                      <a:endParaRPr lang="ko-KR" altLang="en-US" sz="2400" dirty="0"/>
+                      <a:endParaRPr lang="ko-KR" altLang="en-US" sz="2400"/>
                     </a:p>
                   </a:txBody>
-                  <a:tcPr/>
+                  <a:tcPr marL="91440" marR="91440"/>
                 </a:tc>
-                <a:tc>
+                <a:tc vMerge="1">
                   <a:txBody>
-                    <a:bodyPr/>
-                    <a:lstStyle/>
+                    <a:bodyPr vert="horz" lIns="91440" tIns="45720" rIns="91440" bIns="45720" anchor="t" anchorCtr="0"/>
                     <a:p>
-                      <a:pPr algn="ctr" latinLnBrk="1"/>
-                      <a:r>
-                        <a:rPr lang="en-US" altLang="ko-KR" sz="2400" dirty="0"/>
-                        <a:t>5</a:t>
-                      </a:r>
-                      <a:endParaRPr lang="ko-KR" altLang="en-US" sz="2400" dirty="0"/>
+                      <a:pPr>
+                        <a:defRPr/>
+                      </a:pPr>
+                      <a:endParaRPr lang="ko-KR" altLang="en-US"/>
                     </a:p>
                   </a:txBody>
-                  <a:tcPr/>
+                  <a:tcPr marL="91440" marR="91440"/>
                 </a:tc>
                 <a:tc vMerge="1">
                   <a:txBody>
                     <a:bodyPr/>
-                    <a:lstStyle/>
                     <a:p>
-                      <a:pPr latinLnBrk="1"/>
-                      <a:endParaRPr lang="ko-KR" altLang="en-US" sz="2400" dirty="0"/>
+                      <a:pPr latinLnBrk="1">
+                        <a:defRPr/>
+                      </a:pPr>
+                      <a:endParaRPr lang="ko-KR" altLang="en-US" sz="2400"/>
                     </a:p>
                   </a:txBody>
-                  <a:tcPr/>
+                  <a:tcPr marL="91440" marR="91440"/>
                 </a:tc>
                 <a:tc vMerge="1">
                   <a:txBody>
                     <a:bodyPr/>
-                    <a:lstStyle/>
                     <a:p>
-                      <a:pPr latinLnBrk="1"/>
-                      <a:endParaRPr lang="ko-KR" altLang="en-US" sz="2400" dirty="0"/>
+                      <a:pPr latinLnBrk="1">
+                        <a:defRPr/>
+                      </a:pPr>
+                      <a:endParaRPr lang="ko-KR" altLang="en-US" sz="2400"/>
                     </a:p>
                   </a:txBody>
-                  <a:tcPr/>
+                  <a:tcPr marL="91440" marR="91440"/>
                 </a:tc>
-                <a:extLst>
-                  <a:ext uri="{0D108BD9-81ED-4DB2-BD59-A6C34878D82A}">
-                    <a16:rowId xmlns:a16="http://schemas.microsoft.com/office/drawing/2014/main" val="1168630850"/>
-                  </a:ext>
-                </a:extLst>
               </a:tr>
               <a:tr h="805364">
                 <a:tc>
                   <a:txBody>
-                    <a:bodyPr/>
-                    <a:lstStyle/>
+                    <a:bodyPr vert="horz" lIns="91440" tIns="45720" rIns="91440" bIns="45720" anchor="t" anchorCtr="0"/>
                     <a:p>
-                      <a:pPr algn="ctr" latinLnBrk="1"/>
+                      <a:pPr algn="ctr" latinLnBrk="1">
+                        <a:defRPr/>
+                      </a:pPr>
                       <a:r>
-                        <a:rPr lang="en-US" altLang="ko-KR" sz="2400" dirty="0">
+                        <a:rPr lang="en-US" altLang="ko-KR" sz="2400">
                           <a:solidFill>
-                            <a:srgbClr val="FF0000"/>
+                            <a:srgbClr val="ff0000"/>
                           </a:solidFill>
                         </a:rPr>
                         <a:t>   Touch</a:t>
                       </a:r>
-                      <a:endParaRPr lang="ko-KR" altLang="en-US" sz="2400" dirty="0">
+                      <a:endParaRPr lang="ko-KR" altLang="en-US" sz="2400">
                         <a:solidFill>
-                          <a:srgbClr val="FF0000"/>
+                          <a:srgbClr val="ff0000"/>
                         </a:solidFill>
                       </a:endParaRPr>
                     </a:p>
                   </a:txBody>
-                  <a:tcPr/>
+                  <a:tcPr marL="91440" marR="91440"/>
                 </a:tc>
                 <a:tc>
                   <a:txBody>
-                    <a:bodyPr/>
-                    <a:lstStyle/>
+                    <a:bodyPr vert="horz" lIns="91440" tIns="45720" rIns="91440" bIns="45720" anchor="t" anchorCtr="0"/>
                     <a:p>
-                      <a:pPr algn="ctr" latinLnBrk="1"/>
+                      <a:pPr algn="ctr" latinLnBrk="1">
+                        <a:defRPr/>
+                      </a:pPr>
                       <a:r>
-                        <a:rPr lang="en-US" altLang="ko-KR" sz="2400" dirty="0"/>
+                        <a:rPr lang="en-US" altLang="ko-KR" sz="2400"/>
                         <a:t>Transport</a:t>
                       </a:r>
-                      <a:endParaRPr lang="ko-KR" altLang="en-US" sz="2400" dirty="0"/>
+                      <a:endParaRPr lang="ko-KR" altLang="en-US" sz="2400"/>
                     </a:p>
                   </a:txBody>
-                  <a:tcPr/>
+                  <a:tcPr marL="91440" marR="91440"/>
                 </a:tc>
                 <a:tc>
                   <a:txBody>
-                    <a:bodyPr/>
-                    <a:lstStyle/>
+                    <a:bodyPr vert="horz" lIns="91440" tIns="45720" rIns="91440" bIns="45720" anchor="t" anchorCtr="0"/>
                     <a:p>
-                      <a:pPr algn="ctr" latinLnBrk="1"/>
+                      <a:pPr algn="ctr" latinLnBrk="1">
+                        <a:defRPr/>
+                      </a:pPr>
                       <a:r>
-                        <a:rPr lang="en-US" altLang="ko-KR" sz="2400" dirty="0"/>
-                        <a:t>4</a:t>
+                        <a:rPr lang="en-US" altLang="ko-KR" sz="2400"/>
+                        <a:t>L4(NAT)</a:t>
                       </a:r>
-                      <a:endParaRPr lang="ko-KR" altLang="en-US" sz="2400" dirty="0"/>
+                      <a:endParaRPr lang="en-US" altLang="ko-KR" sz="2400"/>
                     </a:p>
                   </a:txBody>
-                  <a:tcPr/>
+                  <a:tcPr marL="91440" marR="91440"/>
                 </a:tc>
                 <a:tc>
                   <a:txBody>
-                    <a:bodyPr/>
-                    <a:lstStyle/>
+                    <a:bodyPr vert="horz" lIns="91440" tIns="45720" rIns="91440" bIns="45720" anchor="t" anchorCtr="0"/>
                     <a:p>
-                      <a:pPr algn="ctr" latinLnBrk="1"/>
+                      <a:pPr algn="ctr" latinLnBrk="1">
+                        <a:defRPr/>
+                      </a:pPr>
                       <a:r>
-                        <a:rPr lang="en-US" altLang="ko-KR" sz="2400" dirty="0">
+                        <a:rPr lang="en-US" altLang="ko-KR" sz="2400">
                           <a:solidFill>
-                            <a:srgbClr val="FF0000"/>
+                            <a:srgbClr val="ff0000"/>
                           </a:solidFill>
                         </a:rPr>
                         <a:t>TCP</a:t>
                       </a:r>
-                      <a:endParaRPr lang="ko-KR" altLang="en-US" sz="2400" dirty="0">
+                      <a:endParaRPr lang="ko-KR" altLang="en-US" sz="2400">
                         <a:solidFill>
-                          <a:srgbClr val="FF0000"/>
+                          <a:srgbClr val="ff0000"/>
                         </a:solidFill>
                       </a:endParaRPr>
                     </a:p>
                   </a:txBody>
-                  <a:tcPr/>
+                  <a:tcPr marL="91440" marR="91440"/>
                 </a:tc>
                 <a:tc>
                   <a:txBody>
-                    <a:bodyPr/>
-                    <a:lstStyle/>
+                    <a:bodyPr vert="horz" lIns="91440" tIns="45720" rIns="91440" bIns="45720" anchor="t" anchorCtr="0"/>
                     <a:p>
-                      <a:pPr algn="ctr" latinLnBrk="1"/>
+                      <a:pPr algn="ctr" latinLnBrk="1">
+                        <a:defRPr/>
+                      </a:pPr>
                       <a:r>
-                        <a:rPr lang="en-US" altLang="ko-KR" sz="2400" dirty="0"/>
+                        <a:rPr lang="en-US" altLang="ko-KR" sz="2400"/>
                         <a:t>UDP,SCTP</a:t>
                       </a:r>
-                      <a:endParaRPr lang="ko-KR" altLang="en-US" sz="2400" dirty="0"/>
+                      <a:endParaRPr lang="ko-KR" altLang="en-US" sz="2400"/>
                     </a:p>
                   </a:txBody>
-                  <a:tcPr/>
+                  <a:tcPr marL="91440" marR="91440"/>
                 </a:tc>
-                <a:extLst>
-                  <a:ext uri="{0D108BD9-81ED-4DB2-BD59-A6C34878D82A}">
-                    <a16:rowId xmlns:a16="http://schemas.microsoft.com/office/drawing/2014/main" val="1959112412"/>
-                  </a:ext>
-                </a:extLst>
               </a:tr>
               <a:tr h="805364">
                 <a:tc>
                   <a:txBody>
-                    <a:bodyPr/>
-                    <a:lstStyle/>
+                    <a:bodyPr vert="horz" lIns="91440" tIns="45720" rIns="91440" bIns="45720" anchor="t" anchorCtr="0"/>
                     <a:p>
-                      <a:pPr algn="ctr" latinLnBrk="1"/>
+                      <a:pPr algn="ctr" latinLnBrk="1">
+                        <a:defRPr/>
+                      </a:pPr>
                       <a:r>
-                        <a:rPr lang="en-US" altLang="ko-KR" sz="2400" dirty="0">
+                        <a:rPr lang="en-US" altLang="ko-KR" sz="2400">
                           <a:solidFill>
-                            <a:srgbClr val="FF0000"/>
+                            <a:srgbClr val="ff0000"/>
                           </a:solidFill>
                         </a:rPr>
                         <a:t>  Not</a:t>
                       </a:r>
-                      <a:endParaRPr lang="ko-KR" altLang="en-US" sz="2400" dirty="0">
+                      <a:endParaRPr lang="ko-KR" altLang="en-US" sz="2400">
                         <a:solidFill>
-                          <a:srgbClr val="FF0000"/>
+                          <a:srgbClr val="ff0000"/>
                         </a:solidFill>
                       </a:endParaRPr>
                     </a:p>
                   </a:txBody>
-                  <a:tcPr/>
+                  <a:tcPr marL="91440" marR="91440"/>
                 </a:tc>
                 <a:tc>
                   <a:txBody>
-                    <a:bodyPr/>
-                    <a:lstStyle/>
+                    <a:bodyPr vert="horz" lIns="91440" tIns="45720" rIns="91440" bIns="45720" anchor="t" anchorCtr="0"/>
                     <a:p>
-                      <a:pPr algn="ctr" latinLnBrk="1"/>
+                      <a:pPr algn="ctr" latinLnBrk="1">
+                        <a:defRPr/>
+                      </a:pPr>
                       <a:r>
-                        <a:rPr lang="en-US" altLang="ko-KR" sz="2400" dirty="0"/>
+                        <a:rPr lang="en-US" altLang="ko-KR" sz="2400"/>
                         <a:t>Network</a:t>
                       </a:r>
-                      <a:endParaRPr lang="ko-KR" altLang="en-US" sz="2400" dirty="0"/>
+                      <a:endParaRPr lang="ko-KR" altLang="en-US" sz="2400"/>
                     </a:p>
                   </a:txBody>
-                  <a:tcPr/>
+                  <a:tcPr marL="91440" marR="91440"/>
                 </a:tc>
                 <a:tc>
                   <a:txBody>
-                    <a:bodyPr/>
-                    <a:lstStyle/>
+                    <a:bodyPr vert="horz" lIns="91440" tIns="45720" rIns="91440" bIns="45720" anchor="t" anchorCtr="0"/>
                     <a:p>
-                      <a:pPr algn="ctr" latinLnBrk="1"/>
+                      <a:pPr algn="ctr" latinLnBrk="1">
+                        <a:defRPr/>
+                      </a:pPr>
                       <a:r>
-                        <a:rPr lang="en-US" altLang="ko-KR" sz="2400" dirty="0"/>
-                        <a:t>3</a:t>
+                        <a:rPr lang="en-US" altLang="ko-KR" sz="2400"/>
+                        <a:t>L3(Router)</a:t>
                       </a:r>
-                      <a:endParaRPr lang="ko-KR" altLang="en-US" sz="2400" dirty="0"/>
+                      <a:endParaRPr lang="en-US" altLang="ko-KR" sz="2400"/>
                     </a:p>
                   </a:txBody>
-                  <a:tcPr/>
+                  <a:tcPr marL="91440" marR="91440"/>
                 </a:tc>
                 <a:tc>
                   <a:txBody>
-                    <a:bodyPr/>
-                    <a:lstStyle/>
+                    <a:bodyPr vert="horz" lIns="91440" tIns="45720" rIns="91440" bIns="45720" anchor="t" anchorCtr="0"/>
                     <a:p>
-                      <a:pPr algn="ctr" latinLnBrk="1"/>
+                      <a:pPr algn="ctr" latinLnBrk="1">
+                        <a:defRPr/>
+                      </a:pPr>
                       <a:r>
-                        <a:rPr lang="en-US" altLang="ko-KR" sz="2400" dirty="0">
+                        <a:rPr lang="en-US" altLang="ko-KR" sz="2400">
                           <a:solidFill>
-                            <a:srgbClr val="FF0000"/>
+                            <a:srgbClr val="ff0000"/>
                           </a:solidFill>
                         </a:rPr>
                         <a:t>IP</a:t>
                       </a:r>
-                      <a:endParaRPr lang="ko-KR" altLang="en-US" sz="2400" dirty="0">
+                      <a:endParaRPr lang="ko-KR" altLang="en-US" sz="2400">
                         <a:solidFill>
-                          <a:srgbClr val="FF0000"/>
+                          <a:srgbClr val="ff0000"/>
                         </a:solidFill>
                       </a:endParaRPr>
                     </a:p>
                   </a:txBody>
-                  <a:tcPr/>
+                  <a:tcPr marL="91440" marR="91440"/>
                 </a:tc>
                 <a:tc>
                   <a:txBody>
-                    <a:bodyPr/>
-                    <a:lstStyle/>
+                    <a:bodyPr vert="horz" lIns="91440" tIns="45720" rIns="91440" bIns="45720" anchor="t" anchorCtr="0"/>
                     <a:p>
-                      <a:pPr algn="ctr" latinLnBrk="1"/>
+                      <a:pPr algn="ctr" latinLnBrk="1">
+                        <a:defRPr/>
+                      </a:pPr>
                       <a:r>
-                        <a:rPr lang="en-US" altLang="ko-KR" sz="2400" dirty="0"/>
+                        <a:rPr lang="en-US" altLang="ko-KR" sz="2400"/>
                         <a:t>IPv6,ARP</a:t>
                       </a:r>
-                      <a:endParaRPr lang="ko-KR" altLang="en-US" sz="2400" dirty="0"/>
+                      <a:endParaRPr lang="ko-KR" altLang="en-US" sz="2400"/>
                     </a:p>
                   </a:txBody>
-                  <a:tcPr/>
+                  <a:tcPr marL="91440" marR="91440"/>
                 </a:tc>
-                <a:extLst>
-                  <a:ext uri="{0D108BD9-81ED-4DB2-BD59-A6C34878D82A}">
-                    <a16:rowId xmlns:a16="http://schemas.microsoft.com/office/drawing/2014/main" val="3870967013"/>
-                  </a:ext>
-                </a:extLst>
               </a:tr>
               <a:tr h="805364">
                 <a:tc>
                   <a:txBody>
-                    <a:bodyPr/>
-                    <a:lstStyle/>
+                    <a:bodyPr vert="horz" lIns="91440" tIns="45720" rIns="91440" bIns="45720" anchor="t" anchorCtr="0"/>
                     <a:p>
-                      <a:pPr algn="ctr" latinLnBrk="1"/>
+                      <a:pPr algn="ctr" latinLnBrk="1">
+                        <a:defRPr/>
+                      </a:pPr>
                       <a:r>
-                        <a:rPr lang="en-US" altLang="ko-KR" sz="2400" dirty="0">
+                        <a:rPr lang="en-US" altLang="ko-KR" sz="2400">
                           <a:solidFill>
-                            <a:srgbClr val="FF0000"/>
+                            <a:srgbClr val="ff0000"/>
                           </a:solidFill>
                         </a:rPr>
                         <a:t>  Do</a:t>
                       </a:r>
-                      <a:endParaRPr lang="ko-KR" altLang="en-US" sz="2400" dirty="0">
+                      <a:endParaRPr lang="ko-KR" altLang="en-US" sz="2400">
                         <a:solidFill>
-                          <a:srgbClr val="FF0000"/>
+                          <a:srgbClr val="ff0000"/>
                         </a:solidFill>
                       </a:endParaRPr>
                     </a:p>
                   </a:txBody>
-                  <a:tcPr/>
+                  <a:tcPr marL="91440" marR="91440"/>
                 </a:tc>
                 <a:tc>
                   <a:txBody>
-                    <a:bodyPr/>
-                    <a:lstStyle/>
+                    <a:bodyPr vert="horz" lIns="91440" tIns="45720" rIns="91440" bIns="45720" anchor="t" anchorCtr="0"/>
                     <a:p>
-                      <a:pPr algn="ctr" latinLnBrk="1"/>
+                      <a:pPr algn="ctr" latinLnBrk="1">
+                        <a:defRPr/>
+                      </a:pPr>
                       <a:r>
-                        <a:rPr lang="en-US" altLang="ko-KR" sz="2400" dirty="0"/>
+                        <a:rPr lang="en-US" altLang="ko-KR" sz="2400"/>
                         <a:t>Data Link</a:t>
                       </a:r>
-                      <a:endParaRPr lang="ko-KR" altLang="en-US" sz="2400" dirty="0"/>
+                      <a:endParaRPr lang="ko-KR" altLang="en-US" sz="2400"/>
                     </a:p>
                   </a:txBody>
-                  <a:tcPr/>
+                  <a:tcPr marL="91440" marR="91440"/>
                 </a:tc>
                 <a:tc>
                   <a:txBody>
-                    <a:bodyPr/>
-                    <a:lstStyle/>
+                    <a:bodyPr vert="horz" lIns="91440" tIns="45720" rIns="91440" bIns="45720" anchor="t" anchorCtr="0"/>
                     <a:p>
-                      <a:pPr algn="ctr" latinLnBrk="1"/>
+                      <a:pPr algn="ctr" latinLnBrk="1">
+                        <a:defRPr/>
+                      </a:pPr>
                       <a:r>
-                        <a:rPr lang="en-US" altLang="ko-KR" sz="2400" dirty="0"/>
-                        <a:t>2</a:t>
+                        <a:rPr lang="en-US" altLang="ko-KR" sz="2400"/>
+                        <a:t>L2(Switch)</a:t>
                       </a:r>
-                      <a:endParaRPr lang="ko-KR" altLang="en-US" sz="2400" dirty="0"/>
+                      <a:endParaRPr lang="en-US" altLang="ko-KR" sz="2400"/>
                     </a:p>
                   </a:txBody>
-                  <a:tcPr/>
+                  <a:tcPr marL="91440" marR="91440"/>
                 </a:tc>
                 <a:tc>
                   <a:txBody>
-                    <a:bodyPr/>
-                    <a:lstStyle/>
+                    <a:bodyPr vert="horz" lIns="91440" tIns="45720" rIns="91440" bIns="45720" anchor="t" anchorCtr="0"/>
                     <a:p>
-                      <a:pPr algn="ctr" latinLnBrk="1"/>
+                      <a:pPr algn="ctr" latinLnBrk="1">
+                        <a:defRPr/>
+                      </a:pPr>
                       <a:r>
-                        <a:rPr lang="en-US" altLang="ko-KR" sz="2400" dirty="0">
+                        <a:rPr lang="en-US" altLang="ko-KR" sz="2400">
                           <a:solidFill>
-                            <a:srgbClr val="FF0000"/>
+                            <a:srgbClr val="ff0000"/>
                           </a:solidFill>
                         </a:rPr>
                         <a:t>Ethernet</a:t>
                       </a:r>
-                      <a:endParaRPr lang="ko-KR" altLang="en-US" sz="2400" dirty="0">
+                      <a:endParaRPr lang="ko-KR" altLang="en-US" sz="2400">
                         <a:solidFill>
-                          <a:srgbClr val="FF0000"/>
+                          <a:srgbClr val="ff0000"/>
                         </a:solidFill>
                       </a:endParaRPr>
                     </a:p>
                   </a:txBody>
-                  <a:tcPr/>
+                  <a:tcPr marL="91440" marR="91440"/>
                 </a:tc>
                 <a:tc>
                   <a:txBody>
-                    <a:bodyPr/>
-                    <a:lstStyle/>
+                    <a:bodyPr vert="horz" lIns="91440" tIns="45720" rIns="91440" bIns="45720" anchor="t" anchorCtr="0"/>
                     <a:p>
-                      <a:pPr algn="ctr" latinLnBrk="1"/>
+                      <a:pPr algn="ctr" latinLnBrk="1">
+                        <a:defRPr/>
+                      </a:pPr>
                       <a:r>
-                        <a:rPr lang="en-US" altLang="ko-KR" sz="2400" dirty="0"/>
+                        <a:rPr lang="en-US" altLang="ko-KR" sz="2400"/>
                         <a:t>HDLS,</a:t>
                       </a:r>
+                      <a:endParaRPr lang="en-US" altLang="ko-KR" sz="2400"/>
                     </a:p>
                     <a:p>
-                      <a:pPr algn="ctr" latinLnBrk="1"/>
+                      <a:pPr algn="ctr" latinLnBrk="1">
+                        <a:defRPr/>
+                      </a:pPr>
                       <a:r>
-                        <a:rPr lang="en-US" altLang="ko-KR" sz="2400" dirty="0"/>
+                        <a:rPr lang="en-US" altLang="ko-KR" sz="2400"/>
                         <a:t>Frame Relay</a:t>
                       </a:r>
-                      <a:endParaRPr lang="ko-KR" altLang="en-US" sz="2400" dirty="0"/>
+                      <a:endParaRPr lang="ko-KR" altLang="en-US" sz="2400"/>
                     </a:p>
                   </a:txBody>
-                  <a:tcPr/>
+                  <a:tcPr marL="91440" marR="91440"/>
                 </a:tc>
-                <a:extLst>
-                  <a:ext uri="{0D108BD9-81ED-4DB2-BD59-A6C34878D82A}">
-                    <a16:rowId xmlns:a16="http://schemas.microsoft.com/office/drawing/2014/main" val="3804000985"/>
-                  </a:ext>
-                </a:extLst>
               </a:tr>
               <a:tr h="805364">
                 <a:tc>
                   <a:txBody>
-                    <a:bodyPr/>
-                    <a:lstStyle/>
+                    <a:bodyPr vert="horz" lIns="91440" tIns="45720" rIns="91440" bIns="45720" anchor="t" anchorCtr="0"/>
                     <a:p>
-                      <a:pPr algn="ctr" latinLnBrk="1"/>
+                      <a:pPr algn="ctr" latinLnBrk="1">
+                        <a:defRPr/>
+                      </a:pPr>
                       <a:r>
-                        <a:rPr lang="en-US" altLang="ko-KR" sz="2400" dirty="0">
+                        <a:rPr lang="en-US" altLang="ko-KR" sz="2400">
                           <a:solidFill>
-                            <a:srgbClr val="FF0000"/>
+                            <a:srgbClr val="ff0000"/>
                           </a:solidFill>
                         </a:rPr>
                         <a:t>   Please</a:t>
                       </a:r>
-                      <a:endParaRPr lang="ko-KR" altLang="en-US" sz="2400" dirty="0">
+                      <a:endParaRPr lang="ko-KR" altLang="en-US" sz="2400">
                         <a:solidFill>
-                          <a:srgbClr val="FF0000"/>
+                          <a:srgbClr val="ff0000"/>
                         </a:solidFill>
                       </a:endParaRPr>
                     </a:p>
                   </a:txBody>
-                  <a:tcPr/>
+                  <a:tcPr marL="91440" marR="91440"/>
                 </a:tc>
                 <a:tc>
                   <a:txBody>
-                    <a:bodyPr/>
-                    <a:lstStyle/>
+                    <a:bodyPr vert="horz" lIns="91440" tIns="45720" rIns="91440" bIns="45720" anchor="t" anchorCtr="0"/>
                     <a:p>
-                      <a:pPr algn="ctr" latinLnBrk="1"/>
+                      <a:pPr algn="ctr" latinLnBrk="1">
+                        <a:defRPr/>
+                      </a:pPr>
                       <a:r>
-                        <a:rPr lang="en-US" altLang="ko-KR" sz="2400" dirty="0"/>
+                        <a:rPr lang="en-US" altLang="ko-KR" sz="2400"/>
                         <a:t>Physical</a:t>
                       </a:r>
-                      <a:endParaRPr lang="ko-KR" altLang="en-US" sz="2400" dirty="0"/>
+                      <a:endParaRPr lang="ko-KR" altLang="en-US" sz="2400"/>
                     </a:p>
                   </a:txBody>
-                  <a:tcPr/>
+                  <a:tcPr marL="91440" marR="91440"/>
                 </a:tc>
                 <a:tc>
                   <a:txBody>
-                    <a:bodyPr/>
-                    <a:lstStyle/>
+                    <a:bodyPr vert="horz" lIns="91440" tIns="45720" rIns="91440" bIns="45720" anchor="t" anchorCtr="0"/>
                     <a:p>
-                      <a:pPr algn="ctr" latinLnBrk="1"/>
-                      <a:r>
-                        <a:rPr lang="en-US" altLang="ko-KR" sz="2400" dirty="0"/>
-                        <a:t>1</a:t>
-                      </a:r>
-                      <a:endParaRPr lang="ko-KR" altLang="en-US" sz="2400" dirty="0"/>
+                      <a:pPr algn="ctr" latinLnBrk="1">
+                        <a:defRPr/>
+                      </a:pPr>
+                      <a:endParaRPr lang="en-US" altLang="ko-KR" sz="2400"/>
                     </a:p>
                   </a:txBody>
-                  <a:tcPr/>
+                  <a:tcPr marL="91440" marR="91440"/>
                 </a:tc>
                 <a:tc>
                   <a:txBody>
-                    <a:bodyPr/>
-                    <a:lstStyle/>
+                    <a:bodyPr vert="horz" lIns="91440" tIns="45720" rIns="91440" bIns="45720" anchor="t" anchorCtr="0"/>
                     <a:p>
-                      <a:pPr algn="ctr" latinLnBrk="1"/>
-                      <a:endParaRPr lang="ko-KR" altLang="en-US" sz="2400" dirty="0"/>
+                      <a:pPr algn="ctr" latinLnBrk="1">
+                        <a:defRPr/>
+                      </a:pPr>
+                      <a:endParaRPr lang="ko-KR" altLang="en-US" sz="2400"/>
                     </a:p>
                   </a:txBody>
-                  <a:tcPr/>
+                  <a:tcPr marL="91440" marR="91440"/>
                 </a:tc>
                 <a:tc>
                   <a:txBody>
-                    <a:bodyPr/>
-                    <a:lstStyle/>
+                    <a:bodyPr vert="horz" lIns="91440" tIns="45720" rIns="91440" bIns="45720" anchor="t" anchorCtr="0"/>
                     <a:p>
-                      <a:pPr algn="ctr" latinLnBrk="1"/>
-                      <a:endParaRPr lang="ko-KR" altLang="en-US" sz="2400" dirty="0"/>
+                      <a:pPr algn="ctr" latinLnBrk="1">
+                        <a:defRPr/>
+                      </a:pPr>
+                      <a:endParaRPr lang="ko-KR" altLang="en-US" sz="2400"/>
                     </a:p>
                   </a:txBody>
-                  <a:tcPr/>
+                  <a:tcPr marL="91440" marR="91440"/>
                 </a:tc>
-                <a:extLst>
-                  <a:ext uri="{0D108BD9-81ED-4DB2-BD59-A6C34878D82A}">
-                    <a16:rowId xmlns:a16="http://schemas.microsoft.com/office/drawing/2014/main" val="3210517367"/>
-                  </a:ext>
-                </a:extLst>
               </a:tr>
             </a:tbl>
           </a:graphicData>
         </a:graphic>
       </p:graphicFrame>
     </p:spTree>
-    <p:extLst>
-      <p:ext uri="{BB962C8B-B14F-4D97-AF65-F5344CB8AC3E}">
-        <p14:creationId xmlns:p14="http://schemas.microsoft.com/office/powerpoint/2010/main" val="3275415155"/>
-      </p:ext>
-    </p:extLst>
   </p:cSld>
   <p:clrMapOvr>
     <a:masterClrMapping/>
   </p:clrMapOvr>
+  <mc:AlternateContent xmlns:mc="http://schemas.openxmlformats.org/markup-compatibility/2006">
+    <mc:Choice xmlns:p14="http://schemas.microsoft.com/office/powerpoint/2010/main" Requires="p14">
+      <p:transition xmlns:mc="http://schemas.openxmlformats.org/markup-compatibility/2006" xmlns:p14="http://schemas.microsoft.com/office/powerpoint/2010/main" mc:Ignorable="p14" p14:dur="500"/>
+    </mc:Choice>
+    <mc:Fallback>
+      <p:transition/>
+    </mc:Fallback>
+  </mc:AlternateContent>
 </p:sld>
 </file>
 
 <file path=ppt/theme/theme1.xml><?xml version="1.0" encoding="utf-8"?>
-<a:theme xmlns:a="http://schemas.openxmlformats.org/drawingml/2006/main" name="Office 테마">
+<a:theme xmlns:r="http://schemas.openxmlformats.org/officeDocument/2006/relationships" xmlns:c="http://schemas.openxmlformats.org/drawingml/2006/chart" xmlns:dgm="http://schemas.openxmlformats.org/drawingml/2006/diagram" xmlns:dsp="http://schemas.microsoft.com/office/drawing/2008/diagram" xmlns:a="http://schemas.openxmlformats.org/drawingml/2006/main" xmlns:pic="http://schemas.openxmlformats.org/drawingml/2006/picture" xmlns:wp="http://schemas.openxmlformats.org/drawingml/2006/wordprocessingDrawing" xmlns:xdr="http://schemas.openxmlformats.org/drawingml/2006/spreadsheetDrawing" xmlns:lc="http://schemas.openxmlformats.org/drawingml/2006/lockedCanvas" xmlns:p="http://schemas.openxmlformats.org/presentationml/2006/main" name="Office 테마">
   <a:themeElements>
     <a:clrScheme name="Office">
       <a:dk1>
         <a:sysClr val="windowText" lastClr="000000"/>
       </a:dk1>
       <a:lt1>
-        <a:sysClr val="window" lastClr="FFFFFF"/>
+        <a:sysClr val="window" lastClr="ffffff"/>
       </a:lt1>
       <a:dk2>
-        <a:srgbClr val="44546A"/>
+        <a:srgbClr val="44546a"/>
       </a:dk2>
       <a:lt2>
-        <a:srgbClr val="E7E6E6"/>
+        <a:srgbClr val="e7e6e6"/>
       </a:lt2>
       <a:accent1>
-        <a:srgbClr val="4472C4"/>
+        <a:srgbClr val="4472c4"/>
       </a:accent1>
       <a:accent2>
-        <a:srgbClr val="ED7D31"/>
+        <a:srgbClr val="ed7d31"/>
       </a:accent2>
       <a:accent3>
-        <a:srgbClr val="A5A5A5"/>
+        <a:srgbClr val="a5a5a5"/>
       </a:accent3>
       <a:accent4>
-        <a:srgbClr val="FFC000"/>
+        <a:srgbClr val="ffc000"/>
       </a:accent4>
       <a:accent5>
-        <a:srgbClr val="5B9BD5"/>
+        <a:srgbClr val="5b9bd5"/>
       </a:accent5>
       <a:accent6>
-        <a:srgbClr val="70AD47"/>
+        <a:srgbClr val="70ad47"/>
       </a:accent6>
       <a:hlink>
-        <a:srgbClr val="0563C1"/>
+        <a:srgbClr val="0563c1"/>
       </a:hlink>
       <a:folHlink>
-        <a:srgbClr val="954F72"/>
+        <a:srgbClr val="954f72"/>
       </a:folHlink>
     </a:clrScheme>
     <a:fontScheme name="Office">
@@ -4195,7 +4156,7 @@
         <a:latin typeface="맑은 고딕" panose="020F0302020204030204"/>
         <a:ea typeface=""/>
         <a:cs typeface=""/>
-        <a:font script="Jpan" typeface="游ゴシック Light"/>
+        <a:font script="Jpan" typeface="Yu Gothic Light"/>
         <a:font script="Hang" typeface="맑은 고딕"/>
         <a:font script="Hans" typeface="等线 Light"/>
         <a:font script="Hant" typeface="新細明體"/>
@@ -4247,7 +4208,7 @@
         <a:latin typeface="맑은 고딕" panose="020F0502020204030204"/>
         <a:ea typeface=""/>
         <a:cs typeface=""/>
-        <a:font script="Jpan" typeface="游ゴシック"/>
+        <a:font script="Jpan" typeface="Yu Gothic"/>
         <a:font script="Hang" typeface="맑은 고딕"/>
         <a:font script="Hans" typeface="等线"/>
         <a:font script="Hant" typeface="新細明體"/>
@@ -4360,21 +4321,21 @@
             <a:schemeClr val="phClr"/>
           </a:solidFill>
           <a:prstDash val="solid"/>
-          <a:miter lim="800000"/>
+          <a:miter/>
         </a:ln>
         <a:ln w="12700" cap="flat" cmpd="sng" algn="ctr">
           <a:solidFill>
             <a:schemeClr val="phClr"/>
           </a:solidFill>
           <a:prstDash val="solid"/>
-          <a:miter lim="800000"/>
+          <a:miter/>
         </a:ln>
         <a:ln w="19050" cap="flat" cmpd="sng" algn="ctr">
           <a:solidFill>
             <a:schemeClr val="phClr"/>
           </a:solidFill>
           <a:prstDash val="solid"/>
-          <a:miter lim="800000"/>
+          <a:miter/>
         </a:ln>
       </a:lnStyleLst>
       <a:effectStyleLst>
@@ -4434,12 +4395,5 @@
       </a:bgFillStyleLst>
     </a:fmtScheme>
   </a:themeElements>
-  <a:objectDefaults/>
-  <a:extraClrSchemeLst/>
-  <a:extLst>
-    <a:ext uri="{05A4C25C-085E-4340-85A3-A5531E510DB2}">
-      <thm15:themeFamily xmlns:thm15="http://schemas.microsoft.com/office/thememl/2012/main" name="Office Theme" id="{62F939B6-93AF-4DB8-9C6B-D6C7DFDC589F}" vid="{4A3C46E8-61CC-4603-A589-7422A47A8E4A}"/>
-    </a:ext>
-  </a:extLst>
 </a:theme>
 </file>